--- a/Word/Луценко_презентация.pptx
+++ b/Word/Луценко_презентация.pptx
@@ -8,7 +8,7 @@
     <p:notesMasterId r:id="rId17"/>
   </p:notesMasterIdLst>
   <p:sldIdLst>
-    <p:sldId id="256" r:id="rId2"/>
+    <p:sldId id="277" r:id="rId2"/>
     <p:sldId id="262" r:id="rId3"/>
     <p:sldId id="263" r:id="rId4"/>
     <p:sldId id="264" r:id="rId5"/>
@@ -17,8 +17,8 @@
     <p:sldId id="276" r:id="rId8"/>
     <p:sldId id="269" r:id="rId9"/>
     <p:sldId id="270" r:id="rId10"/>
-    <p:sldId id="271" r:id="rId11"/>
-    <p:sldId id="274" r:id="rId12"/>
+    <p:sldId id="274" r:id="rId11"/>
+    <p:sldId id="271" r:id="rId12"/>
     <p:sldId id="275" r:id="rId13"/>
     <p:sldId id="272" r:id="rId14"/>
     <p:sldId id="273" r:id="rId15"/>
@@ -222,7 +222,7 @@
           <a:p>
             <a:fld id="{DEECFFAE-6AB3-48B3-87F4-E6A085CFC34B}" type="datetimeFigureOut">
               <a:rPr lang="ru-RU" smtClean="0"/>
-              <a:t>30.05.2025</a:t>
+              <a:t>03.06.2025</a:t>
             </a:fld>
             <a:endParaRPr lang="ru-RU"/>
           </a:p>
@@ -1186,6 +1186,563 @@
 </p:sldLayout>
 </file>
 
+<file path=ppt/slideLayouts/slideLayout10.xml><?xml version="1.0" encoding="utf-8"?>
+<p:sldLayout xmlns:a="http://schemas.openxmlformats.org/drawingml/2006/main" xmlns:r="http://schemas.openxmlformats.org/officeDocument/2006/relationships" xmlns:p="http://schemas.openxmlformats.org/presentationml/2006/main" userDrawn="1">
+  <p:cSld name="1_Титульный слайд">
+    <p:bg>
+      <p:bgPr>
+        <a:blipFill dpi="0" rotWithShape="1">
+          <a:blip r:embed="rId2">
+            <a:lum/>
+          </a:blip>
+          <a:srcRect/>
+          <a:stretch>
+            <a:fillRect/>
+          </a:stretch>
+        </a:blipFill>
+        <a:effectLst/>
+      </p:bgPr>
+    </p:bg>
+    <p:spTree>
+      <p:nvGrpSpPr>
+        <p:cNvPr id="1" name=""/>
+        <p:cNvGrpSpPr/>
+        <p:nvPr/>
+      </p:nvGrpSpPr>
+      <p:grpSpPr>
+        <a:xfrm>
+          <a:off x="0" y="0"/>
+          <a:ext cx="0" cy="0"/>
+          <a:chOff x="0" y="0"/>
+          <a:chExt cx="0" cy="0"/>
+        </a:xfrm>
+      </p:grpSpPr>
+      <p:sp>
+        <p:nvSpPr>
+          <p:cNvPr id="2" name="Заголовок 1"/>
+          <p:cNvSpPr>
+            <a:spLocks noGrp="1"/>
+          </p:cNvSpPr>
+          <p:nvPr>
+            <p:ph type="ctrTitle" hasCustomPrompt="1"/>
+          </p:nvPr>
+        </p:nvSpPr>
+        <p:spPr>
+          <a:xfrm>
+            <a:off x="634698" y="2453391"/>
+            <a:ext cx="6346132" cy="1522676"/>
+          </a:xfrm>
+        </p:spPr>
+        <p:txBody>
+          <a:bodyPr anchor="ctr">
+            <a:normAutofit/>
+          </a:bodyPr>
+          <a:lstStyle>
+            <a:lvl1pPr algn="l">
+              <a:defRPr sz="2400" b="1">
+                <a:solidFill>
+                  <a:srgbClr val="002060"/>
+                </a:solidFill>
+                <a:latin typeface="Arial" panose="020B0604020202020204" pitchFamily="34" charset="0"/>
+                <a:cs typeface="Arial" panose="020B0604020202020204" pitchFamily="34" charset="0"/>
+              </a:defRPr>
+            </a:lvl1pPr>
+          </a:lstStyle>
+          <a:p>
+            <a:r>
+              <a:rPr lang="ru-RU" dirty="0"/>
+              <a:t>«ТЕМА ВЫПУСКНОЙ КВАЛИФИКАЦИОННОЙ РАБОТЫ»</a:t>
+            </a:r>
+          </a:p>
+        </p:txBody>
+      </p:sp>
+      <p:pic>
+        <p:nvPicPr>
+          <p:cNvPr id="7" name="Рисунок 6"/>
+          <p:cNvPicPr>
+            <a:picLocks noChangeAspect="1"/>
+          </p:cNvPicPr>
+          <p:nvPr userDrawn="1"/>
+        </p:nvPicPr>
+        <p:blipFill rotWithShape="1">
+          <a:blip r:embed="rId3" cstate="print">
+            <a:extLst>
+              <a:ext uri="{28A0092B-C50C-407E-A947-70E740481C1C}">
+                <a14:useLocalDpi xmlns:a14="http://schemas.microsoft.com/office/drawing/2010/main" val="0"/>
+              </a:ext>
+            </a:extLst>
+          </a:blip>
+          <a:srcRect t="19356" r="49722" b="19357"/>
+          <a:stretch/>
+        </p:blipFill>
+        <p:spPr>
+          <a:xfrm>
+            <a:off x="6556531" y="808958"/>
+            <a:ext cx="5576500" cy="4806062"/>
+          </a:xfrm>
+          <a:prstGeom prst="rect">
+            <a:avLst/>
+          </a:prstGeom>
+        </p:spPr>
+      </p:pic>
+      <p:sp>
+        <p:nvSpPr>
+          <p:cNvPr id="5" name="TextBox 4"/>
+          <p:cNvSpPr txBox="1"/>
+          <p:nvPr userDrawn="1"/>
+        </p:nvSpPr>
+        <p:spPr>
+          <a:xfrm>
+            <a:off x="570629" y="4010120"/>
+            <a:ext cx="3771295" cy="338554"/>
+          </a:xfrm>
+          <a:prstGeom prst="rect">
+            <a:avLst/>
+          </a:prstGeom>
+          <a:noFill/>
+        </p:spPr>
+        <p:txBody>
+          <a:bodyPr wrap="square" rtlCol="0">
+            <a:spAutoFit/>
+          </a:bodyPr>
+          <a:lstStyle/>
+          <a:p>
+            <a:pPr marL="0" marR="0" indent="0" algn="l" defTabSz="914400" rtl="0" eaLnBrk="1" fontAlgn="auto" latinLnBrk="0" hangingPunct="1">
+              <a:lnSpc>
+                <a:spcPct val="100000"/>
+              </a:lnSpc>
+              <a:spcBef>
+                <a:spcPts val="0"/>
+              </a:spcBef>
+              <a:spcAft>
+                <a:spcPts val="0"/>
+              </a:spcAft>
+              <a:buClrTx/>
+              <a:buSzTx/>
+              <a:buFontTx/>
+              <a:buNone/>
+              <a:tabLst/>
+              <a:defRPr/>
+            </a:pPr>
+            <a:r>
+              <a:rPr lang="ru-RU" sz="1600" dirty="0">
+                <a:solidFill>
+                  <a:srgbClr val="002060"/>
+                </a:solidFill>
+                <a:latin typeface="Arial" panose="020B0604020202020204" pitchFamily="34" charset="0"/>
+                <a:cs typeface="Arial" panose="020B0604020202020204" pitchFamily="34" charset="0"/>
+              </a:rPr>
+              <a:t>ВЫПОЛНИЛ СТУДЕНТ ГРУППЫ</a:t>
+            </a:r>
+          </a:p>
+        </p:txBody>
+      </p:sp>
+      <p:sp>
+        <p:nvSpPr>
+          <p:cNvPr id="10" name="Текст 9"/>
+          <p:cNvSpPr>
+            <a:spLocks noGrp="1"/>
+          </p:cNvSpPr>
+          <p:nvPr>
+            <p:ph type="body" sz="quarter" idx="13" hasCustomPrompt="1"/>
+          </p:nvPr>
+        </p:nvSpPr>
+        <p:spPr>
+          <a:xfrm>
+            <a:off x="634698" y="4449555"/>
+            <a:ext cx="6700974" cy="706465"/>
+          </a:xfrm>
+        </p:spPr>
+        <p:txBody>
+          <a:bodyPr>
+            <a:normAutofit/>
+          </a:bodyPr>
+          <a:lstStyle>
+            <a:lvl1pPr marL="0" indent="0" algn="l">
+              <a:buNone/>
+              <a:defRPr sz="2400">
+                <a:solidFill>
+                  <a:srgbClr val="002060"/>
+                </a:solidFill>
+                <a:latin typeface="Arial" panose="020B0604020202020204" pitchFamily="34" charset="0"/>
+                <a:cs typeface="Arial" panose="020B0604020202020204" pitchFamily="34" charset="0"/>
+              </a:defRPr>
+            </a:lvl1pPr>
+          </a:lstStyle>
+          <a:p>
+            <a:pPr lvl="0"/>
+            <a:r>
+              <a:rPr lang="ru-RU" dirty="0"/>
+              <a:t>ИВАНОВ ИВАН ИВАНОВИЧ</a:t>
+            </a:r>
+          </a:p>
+        </p:txBody>
+      </p:sp>
+      <p:sp>
+        <p:nvSpPr>
+          <p:cNvPr id="22" name="Прямоугольник 21"/>
+          <p:cNvSpPr/>
+          <p:nvPr userDrawn="1"/>
+        </p:nvSpPr>
+        <p:spPr>
+          <a:xfrm>
+            <a:off x="637150" y="1359011"/>
+            <a:ext cx="5364097" cy="369332"/>
+          </a:xfrm>
+          <a:prstGeom prst="rect">
+            <a:avLst/>
+          </a:prstGeom>
+        </p:spPr>
+        <p:txBody>
+          <a:bodyPr wrap="none">
+            <a:spAutoFit/>
+          </a:bodyPr>
+          <a:lstStyle/>
+          <a:p>
+            <a:pPr lvl="0" algn="l"/>
+            <a:r>
+              <a:rPr lang="ru-RU" sz="1800" dirty="0">
+                <a:solidFill>
+                  <a:srgbClr val="002060"/>
+                </a:solidFill>
+                <a:latin typeface="Arial" panose="020B0604020202020204" pitchFamily="34" charset="0"/>
+                <a:cs typeface="Arial" panose="020B0604020202020204" pitchFamily="34" charset="0"/>
+              </a:rPr>
+              <a:t>ВЫПУСКНАЯ</a:t>
+            </a:r>
+            <a:r>
+              <a:rPr lang="ru-RU" sz="1800" baseline="0" dirty="0">
+                <a:solidFill>
+                  <a:srgbClr val="002060"/>
+                </a:solidFill>
+                <a:latin typeface="Arial" panose="020B0604020202020204" pitchFamily="34" charset="0"/>
+                <a:cs typeface="Arial" panose="020B0604020202020204" pitchFamily="34" charset="0"/>
+              </a:rPr>
+              <a:t> КВАЛИФИКАЦИОННАЯ РАБОТА</a:t>
+            </a:r>
+            <a:endParaRPr lang="ru-RU" sz="1800" dirty="0">
+              <a:solidFill>
+                <a:srgbClr val="002060"/>
+              </a:solidFill>
+              <a:latin typeface="Arial" panose="020B0604020202020204" pitchFamily="34" charset="0"/>
+              <a:cs typeface="Arial" panose="020B0604020202020204" pitchFamily="34" charset="0"/>
+            </a:endParaRPr>
+          </a:p>
+        </p:txBody>
+      </p:sp>
+      <p:sp>
+        <p:nvSpPr>
+          <p:cNvPr id="23" name="Прямоугольник 22"/>
+          <p:cNvSpPr/>
+          <p:nvPr userDrawn="1"/>
+        </p:nvSpPr>
+        <p:spPr>
+          <a:xfrm>
+            <a:off x="634698" y="2123477"/>
+            <a:ext cx="1088760" cy="338554"/>
+          </a:xfrm>
+          <a:prstGeom prst="rect">
+            <a:avLst/>
+          </a:prstGeom>
+        </p:spPr>
+        <p:txBody>
+          <a:bodyPr wrap="none">
+            <a:spAutoFit/>
+          </a:bodyPr>
+          <a:lstStyle/>
+          <a:p>
+            <a:pPr lvl="0" algn="l"/>
+            <a:r>
+              <a:rPr lang="ru-RU" sz="1600" dirty="0">
+                <a:solidFill>
+                  <a:srgbClr val="002060"/>
+                </a:solidFill>
+                <a:latin typeface="Arial" panose="020B0604020202020204" pitchFamily="34" charset="0"/>
+                <a:cs typeface="Arial" panose="020B0604020202020204" pitchFamily="34" charset="0"/>
+              </a:rPr>
+              <a:t>НА ТЕМУ</a:t>
+            </a:r>
+          </a:p>
+        </p:txBody>
+      </p:sp>
+      <p:sp>
+        <p:nvSpPr>
+          <p:cNvPr id="25" name="Текст 9"/>
+          <p:cNvSpPr>
+            <a:spLocks noGrp="1"/>
+          </p:cNvSpPr>
+          <p:nvPr>
+            <p:ph type="body" sz="quarter" idx="17" hasCustomPrompt="1"/>
+          </p:nvPr>
+        </p:nvSpPr>
+        <p:spPr>
+          <a:xfrm>
+            <a:off x="3952616" y="3997677"/>
+            <a:ext cx="959937" cy="367057"/>
+          </a:xfrm>
+        </p:spPr>
+        <p:txBody>
+          <a:bodyPr anchor="ctr">
+            <a:noAutofit/>
+          </a:bodyPr>
+          <a:lstStyle>
+            <a:lvl1pPr marL="0" indent="0" algn="ctr">
+              <a:lnSpc>
+                <a:spcPct val="100000"/>
+              </a:lnSpc>
+              <a:spcBef>
+                <a:spcPts val="0"/>
+              </a:spcBef>
+              <a:buNone/>
+              <a:defRPr sz="1600">
+                <a:solidFill>
+                  <a:srgbClr val="002060"/>
+                </a:solidFill>
+                <a:latin typeface="Arial" panose="020B0604020202020204" pitchFamily="34" charset="0"/>
+                <a:cs typeface="Arial" panose="020B0604020202020204" pitchFamily="34" charset="0"/>
+              </a:defRPr>
+            </a:lvl1pPr>
+          </a:lstStyle>
+          <a:p>
+            <a:pPr lvl="0"/>
+            <a:r>
+              <a:rPr lang="ru-RU" dirty="0"/>
+              <a:t>Н1812</a:t>
+            </a:r>
+          </a:p>
+        </p:txBody>
+      </p:sp>
+      <p:sp>
+        <p:nvSpPr>
+          <p:cNvPr id="26" name="Нижний колонтитул 4"/>
+          <p:cNvSpPr>
+            <a:spLocks noGrp="1"/>
+          </p:cNvSpPr>
+          <p:nvPr>
+            <p:ph type="ftr" sz="quarter" idx="11"/>
+          </p:nvPr>
+        </p:nvSpPr>
+        <p:spPr>
+          <a:xfrm>
+            <a:off x="634698" y="6084911"/>
+            <a:ext cx="4114800" cy="365125"/>
+          </a:xfrm>
+          <a:prstGeom prst="rect">
+            <a:avLst/>
+          </a:prstGeom>
+        </p:spPr>
+        <p:txBody>
+          <a:bodyPr/>
+          <a:lstStyle>
+            <a:lvl1pPr algn="l">
+              <a:defRPr>
+                <a:solidFill>
+                  <a:srgbClr val="002060"/>
+                </a:solidFill>
+                <a:latin typeface="Arial" panose="020B0604020202020204" pitchFamily="34" charset="0"/>
+                <a:cs typeface="Arial" panose="020B0604020202020204" pitchFamily="34" charset="0"/>
+              </a:defRPr>
+            </a:lvl1pPr>
+          </a:lstStyle>
+          <a:p>
+            <a:r>
+              <a:rPr lang="ru-RU" dirty="0"/>
+              <a:t>МОСКВА 2025</a:t>
+            </a:r>
+          </a:p>
+        </p:txBody>
+      </p:sp>
+      <p:sp>
+        <p:nvSpPr>
+          <p:cNvPr id="27" name="Прямоугольник 26"/>
+          <p:cNvSpPr/>
+          <p:nvPr userDrawn="1"/>
+        </p:nvSpPr>
+        <p:spPr>
+          <a:xfrm>
+            <a:off x="570629" y="5179157"/>
+            <a:ext cx="6250578" cy="1200329"/>
+          </a:xfrm>
+          <a:prstGeom prst="rect">
+            <a:avLst/>
+          </a:prstGeom>
+        </p:spPr>
+        <p:txBody>
+          <a:bodyPr wrap="square">
+            <a:spAutoFit/>
+          </a:bodyPr>
+          <a:lstStyle/>
+          <a:p>
+            <a:pPr lvl="0" algn="l">
+              <a:lnSpc>
+                <a:spcPct val="150000"/>
+              </a:lnSpc>
+            </a:pPr>
+            <a:r>
+              <a:rPr lang="ru-RU" sz="1600" dirty="0">
+                <a:solidFill>
+                  <a:srgbClr val="002060"/>
+                </a:solidFill>
+                <a:latin typeface="Arial" panose="020B0604020202020204" pitchFamily="34" charset="0"/>
+                <a:cs typeface="Arial" panose="020B0604020202020204" pitchFamily="34" charset="0"/>
+              </a:rPr>
+              <a:t>РУКОВОДИТЕЛЬ</a:t>
+            </a:r>
+          </a:p>
+          <a:p>
+            <a:pPr lvl="0" algn="l">
+              <a:lnSpc>
+                <a:spcPct val="150000"/>
+              </a:lnSpc>
+            </a:pPr>
+            <a:r>
+              <a:rPr lang="ru-RU" sz="1600" dirty="0">
+                <a:solidFill>
+                  <a:srgbClr val="002060"/>
+                </a:solidFill>
+                <a:latin typeface="Arial" panose="020B0604020202020204" pitchFamily="34" charset="0"/>
+                <a:cs typeface="Arial" panose="020B0604020202020204" pitchFamily="34" charset="0"/>
+              </a:rPr>
+              <a:t>ВЫПУСКНОЙ КВАЛИФИКАЦИОННОЙ РАБОТЫ:</a:t>
+            </a:r>
+          </a:p>
+          <a:p>
+            <a:pPr lvl="0" algn="l">
+              <a:lnSpc>
+                <a:spcPct val="150000"/>
+              </a:lnSpc>
+            </a:pPr>
+            <a:endParaRPr lang="ru-RU" sz="1600" dirty="0">
+              <a:solidFill>
+                <a:srgbClr val="002060"/>
+              </a:solidFill>
+              <a:latin typeface="Arial" panose="020B0604020202020204" pitchFamily="34" charset="0"/>
+              <a:cs typeface="Arial" panose="020B0604020202020204" pitchFamily="34" charset="0"/>
+            </a:endParaRPr>
+          </a:p>
+        </p:txBody>
+      </p:sp>
+      <p:sp>
+        <p:nvSpPr>
+          <p:cNvPr id="28" name="Текст 14"/>
+          <p:cNvSpPr>
+            <a:spLocks noGrp="1"/>
+          </p:cNvSpPr>
+          <p:nvPr>
+            <p:ph type="body" sz="quarter" idx="18" hasCustomPrompt="1"/>
+          </p:nvPr>
+        </p:nvSpPr>
+        <p:spPr>
+          <a:xfrm>
+            <a:off x="5618015" y="5598008"/>
+            <a:ext cx="2299063" cy="405649"/>
+          </a:xfrm>
+          <a:prstGeom prst="rect">
+            <a:avLst/>
+          </a:prstGeom>
+        </p:spPr>
+        <p:txBody>
+          <a:bodyPr anchor="ctr">
+            <a:noAutofit/>
+          </a:bodyPr>
+          <a:lstStyle>
+            <a:lvl1pPr marL="0" indent="0" algn="l">
+              <a:buNone/>
+              <a:defRPr sz="1600" b="0" baseline="0">
+                <a:solidFill>
+                  <a:srgbClr val="002060"/>
+                </a:solidFill>
+                <a:latin typeface="Arial" panose="020B0604020202020204" pitchFamily="34" charset="0"/>
+                <a:cs typeface="Arial" panose="020B0604020202020204" pitchFamily="34" charset="0"/>
+              </a:defRPr>
+            </a:lvl1pPr>
+          </a:lstStyle>
+          <a:p>
+            <a:pPr lvl="0"/>
+            <a:r>
+              <a:rPr lang="ru-RU" dirty="0"/>
+              <a:t>ФАМИЛИЯ И.О.</a:t>
+            </a:r>
+          </a:p>
+        </p:txBody>
+      </p:sp>
+      <p:sp>
+        <p:nvSpPr>
+          <p:cNvPr id="13" name="Прямоугольник 12"/>
+          <p:cNvSpPr/>
+          <p:nvPr userDrawn="1"/>
+        </p:nvSpPr>
+        <p:spPr>
+          <a:xfrm>
+            <a:off x="184417" y="437781"/>
+            <a:ext cx="11841096" cy="646331"/>
+          </a:xfrm>
+          <a:prstGeom prst="rect">
+            <a:avLst/>
+          </a:prstGeom>
+        </p:spPr>
+        <p:txBody>
+          <a:bodyPr wrap="square">
+            <a:spAutoFit/>
+          </a:bodyPr>
+          <a:lstStyle/>
+          <a:p>
+            <a:pPr marL="0" lvl="0" algn="ctr" defTabSz="914400" rtl="0" eaLnBrk="1" latinLnBrk="0" hangingPunct="1"/>
+            <a:r>
+              <a:rPr lang="ru-RU" sz="1200" kern="1200" dirty="0">
+                <a:solidFill>
+                  <a:srgbClr val="002060"/>
+                </a:solidFill>
+                <a:latin typeface="Arial" panose="020B0604020202020204" pitchFamily="34" charset="0"/>
+                <a:ea typeface="+mn-ea"/>
+                <a:cs typeface="Arial" panose="020B0604020202020204" pitchFamily="34" charset="0"/>
+              </a:rPr>
+              <a:t>ДЕПАРТАМЕНТ ОБРАЗОВАНИЯ И НАУКИ ГОРОДА МОСКВЫ</a:t>
+            </a:r>
+          </a:p>
+          <a:p>
+            <a:pPr algn="ctr"/>
+            <a:r>
+              <a:rPr lang="ru-RU" sz="1200" kern="1200" dirty="0">
+                <a:solidFill>
+                  <a:srgbClr val="002060"/>
+                </a:solidFill>
+                <a:latin typeface="Arial" panose="020B0604020202020204" pitchFamily="34" charset="0"/>
+                <a:ea typeface="+mn-ea"/>
+                <a:cs typeface="Arial" panose="020B0604020202020204" pitchFamily="34" charset="0"/>
+              </a:rPr>
+              <a:t>Государственное бюджетное профессиональное образовательное учреждение города Москвы</a:t>
+            </a:r>
+          </a:p>
+          <a:p>
+            <a:pPr algn="ctr"/>
+            <a:r>
+              <a:rPr lang="ru-RU" sz="1200" kern="1200" dirty="0">
+                <a:solidFill>
+                  <a:srgbClr val="002060"/>
+                </a:solidFill>
+                <a:latin typeface="Arial" panose="020B0604020202020204" pitchFamily="34" charset="0"/>
+                <a:ea typeface="+mn-ea"/>
+                <a:cs typeface="Arial" panose="020B0604020202020204" pitchFamily="34" charset="0"/>
+              </a:rPr>
+              <a:t>«Колледж автоматизации и информационных технологий № 20»</a:t>
+            </a:r>
+          </a:p>
+        </p:txBody>
+      </p:sp>
+    </p:spTree>
+    <p:extLst>
+      <p:ext uri="{BB962C8B-B14F-4D97-AF65-F5344CB8AC3E}">
+        <p14:creationId xmlns:p14="http://schemas.microsoft.com/office/powerpoint/2010/main" val="1573993806"/>
+      </p:ext>
+    </p:extLst>
+  </p:cSld>
+  <p:clrMapOvr>
+    <a:masterClrMapping/>
+  </p:clrMapOvr>
+</p:sldLayout>
+</file>
+
 <file path=ppt/slideLayouts/slideLayout2.xml><?xml version="1.0" encoding="utf-8"?>
 <p:sldLayout xmlns:a="http://schemas.openxmlformats.org/drawingml/2006/main" xmlns:r="http://schemas.openxmlformats.org/officeDocument/2006/relationships" xmlns:p="http://schemas.openxmlformats.org/presentationml/2006/main" preserve="1" userDrawn="1">
   <p:cSld name="3_Титульный слайд">
@@ -4150,7 +4707,7 @@
           <a:p>
             <a:fld id="{71FE0170-5F17-4EB0-BFA4-80529005E784}" type="datetimeFigureOut">
               <a:rPr lang="ru-RU" smtClean="0"/>
-              <a:t>30.05.2025</a:t>
+              <a:t>03.06.2025</a:t>
             </a:fld>
             <a:endParaRPr lang="ru-RU"/>
           </a:p>
@@ -4252,6 +4809,7 @@
     <p:sldLayoutId id="2147483667" r:id="rId7"/>
     <p:sldLayoutId id="2147483651" r:id="rId8"/>
     <p:sldLayoutId id="2147483668" r:id="rId9"/>
+    <p:sldLayoutId id="2147483669" r:id="rId10"/>
   </p:sldLayoutIdLst>
   <p:txStyles>
     <p:titleStyle>
@@ -4555,7 +5113,7 @@
       </p:grpSpPr>
       <p:sp>
         <p:nvSpPr>
-          <p:cNvPr id="22" name="Заголовок 21"/>
+          <p:cNvPr id="2" name="Заголовок 1"/>
           <p:cNvSpPr>
             <a:spLocks noGrp="1"/>
           </p:cNvSpPr>
@@ -4579,7 +5137,7 @@
       </p:sp>
       <p:sp>
         <p:nvSpPr>
-          <p:cNvPr id="23" name="Текст 22"/>
+          <p:cNvPr id="3" name="Текст 2"/>
           <p:cNvSpPr>
             <a:spLocks noGrp="1"/>
           </p:cNvSpPr>
@@ -4601,7 +5159,7 @@
       </p:sp>
       <p:sp>
         <p:nvSpPr>
-          <p:cNvPr id="24" name="Текст 23"/>
+          <p:cNvPr id="4" name="Текст 3"/>
           <p:cNvSpPr>
             <a:spLocks noGrp="1"/>
           </p:cNvSpPr>
@@ -4623,7 +5181,7 @@
       </p:sp>
       <p:sp>
         <p:nvSpPr>
-          <p:cNvPr id="25" name="Текст 24"/>
+          <p:cNvPr id="5" name="Текст 4"/>
           <p:cNvSpPr>
             <a:spLocks noGrp="1"/>
           </p:cNvSpPr>
@@ -4643,29 +5201,10 @@
           </a:p>
         </p:txBody>
       </p:sp>
-      <p:sp>
-        <p:nvSpPr>
-          <p:cNvPr id="26" name="Текст 25"/>
-          <p:cNvSpPr>
-            <a:spLocks noGrp="1"/>
-          </p:cNvSpPr>
-          <p:nvPr>
-            <p:ph type="body" sz="quarter" idx="19"/>
-          </p:nvPr>
-        </p:nvSpPr>
-        <p:spPr/>
-        <p:txBody>
-          <a:bodyPr/>
-          <a:lstStyle/>
-          <a:p>
-            <a:endParaRPr lang="ru-RU"/>
-          </a:p>
-        </p:txBody>
-      </p:sp>
     </p:spTree>
     <p:extLst>
       <p:ext uri="{BB962C8B-B14F-4D97-AF65-F5344CB8AC3E}">
-        <p14:creationId xmlns:p14="http://schemas.microsoft.com/office/powerpoint/2010/main" val="3873344141"/>
+        <p14:creationId xmlns:p14="http://schemas.microsoft.com/office/powerpoint/2010/main" val="2577271702"/>
       </p:ext>
     </p:extLst>
   </p:cSld>
@@ -4715,7 +5254,7 @@
           <a:p>
             <a:r>
               <a:rPr lang="ru-RU" dirty="0"/>
-              <a:t>Интерфейс: Страница профиля пользователя</a:t>
+              <a:t>Интерфейс: Страница регистрации пользователя</a:t>
             </a:r>
             <a:endParaRPr lang="en-RU" dirty="0"/>
           </a:p>
@@ -4723,10 +5262,10 @@
       </p:sp>
       <p:pic>
         <p:nvPicPr>
-          <p:cNvPr id="4" name="Content Placeholder 3">
+          <p:cNvPr id="7" name="Content Placeholder 6">
             <a:extLst>
               <a:ext uri="{FF2B5EF4-FFF2-40B4-BE49-F238E27FC236}">
-                <a16:creationId xmlns:a16="http://schemas.microsoft.com/office/drawing/2014/main" id="{FE48E7A8-70DF-E949-8FBF-D2ABFF512AB2}"/>
+                <a16:creationId xmlns:a16="http://schemas.microsoft.com/office/drawing/2014/main" id="{F8FD252D-5173-2E4D-82D8-DBFF80B72D6B}"/>
               </a:ext>
             </a:extLst>
           </p:cNvPr>
@@ -4745,8 +5284,8 @@
         </p:blipFill>
         <p:spPr>
           <a:xfrm>
-            <a:off x="866303" y="1331695"/>
-            <a:ext cx="8903864" cy="4989512"/>
+            <a:off x="1060396" y="1381186"/>
+            <a:ext cx="8889582" cy="4989512"/>
           </a:xfrm>
           <a:prstGeom prst="rect">
             <a:avLst/>
@@ -4756,7 +5295,7 @@
     </p:spTree>
     <p:extLst>
       <p:ext uri="{BB962C8B-B14F-4D97-AF65-F5344CB8AC3E}">
-        <p14:creationId xmlns:p14="http://schemas.microsoft.com/office/powerpoint/2010/main" val="1456102631"/>
+        <p14:creationId xmlns:p14="http://schemas.microsoft.com/office/powerpoint/2010/main" val="2749522475"/>
       </p:ext>
     </p:extLst>
   </p:cSld>
@@ -4806,7 +5345,7 @@
           <a:p>
             <a:r>
               <a:rPr lang="ru-RU" dirty="0"/>
-              <a:t>Интерфейс: Страница регистрации пользователя</a:t>
+              <a:t>Интерфейс: Страница профиля пользователя</a:t>
             </a:r>
             <a:endParaRPr lang="en-RU" dirty="0"/>
           </a:p>
@@ -4814,10 +5353,10 @@
       </p:sp>
       <p:pic>
         <p:nvPicPr>
-          <p:cNvPr id="4" name="Content Placeholder 3">
+          <p:cNvPr id="6" name="Content Placeholder 5">
             <a:extLst>
               <a:ext uri="{FF2B5EF4-FFF2-40B4-BE49-F238E27FC236}">
-                <a16:creationId xmlns:a16="http://schemas.microsoft.com/office/drawing/2014/main" id="{5336B107-F6A7-A049-B121-6DBE01EDA54F}"/>
+                <a16:creationId xmlns:a16="http://schemas.microsoft.com/office/drawing/2014/main" id="{7D022B20-B09A-2149-A94D-B9E9748C0C62}"/>
               </a:ext>
             </a:extLst>
           </p:cNvPr>
@@ -4836,8 +5375,8 @@
         </p:blipFill>
         <p:spPr>
           <a:xfrm>
-            <a:off x="1060396" y="1311737"/>
-            <a:ext cx="8850291" cy="4989512"/>
+            <a:off x="1060396" y="1404335"/>
+            <a:ext cx="8896029" cy="4989512"/>
           </a:xfrm>
           <a:prstGeom prst="rect">
             <a:avLst/>
@@ -4847,7 +5386,7 @@
     </p:spTree>
     <p:extLst>
       <p:ext uri="{BB962C8B-B14F-4D97-AF65-F5344CB8AC3E}">
-        <p14:creationId xmlns:p14="http://schemas.microsoft.com/office/powerpoint/2010/main" val="2749522475"/>
+        <p14:creationId xmlns:p14="http://schemas.microsoft.com/office/powerpoint/2010/main" val="1456102631"/>
       </p:ext>
     </p:extLst>
   </p:cSld>
@@ -4909,10 +5448,10 @@
       </p:sp>
       <p:pic>
         <p:nvPicPr>
-          <p:cNvPr id="4" name="Content Placeholder 3">
+          <p:cNvPr id="6" name="Content Placeholder 5">
             <a:extLst>
               <a:ext uri="{FF2B5EF4-FFF2-40B4-BE49-F238E27FC236}">
-                <a16:creationId xmlns:a16="http://schemas.microsoft.com/office/drawing/2014/main" id="{4CCBA014-A101-4B4F-81B2-0F2713249036}"/>
+                <a16:creationId xmlns:a16="http://schemas.microsoft.com/office/drawing/2014/main" id="{809BC539-EAD1-6A4A-951A-A3D74B6C55A2}"/>
               </a:ext>
             </a:extLst>
           </p:cNvPr>
@@ -4931,8 +5470,8 @@
         </p:blipFill>
         <p:spPr>
           <a:xfrm>
-            <a:off x="1060396" y="1334887"/>
-            <a:ext cx="8937115" cy="4989512"/>
+            <a:off x="1060396" y="1358036"/>
+            <a:ext cx="8894628" cy="4989512"/>
           </a:xfrm>
           <a:prstGeom prst="rect">
             <a:avLst/>
@@ -6790,10 +7329,10 @@
       </p:sp>
       <p:pic>
         <p:nvPicPr>
-          <p:cNvPr id="4" name="Content Placeholder 3">
+          <p:cNvPr id="7" name="Content Placeholder 6">
             <a:extLst>
               <a:ext uri="{FF2B5EF4-FFF2-40B4-BE49-F238E27FC236}">
-                <a16:creationId xmlns:a16="http://schemas.microsoft.com/office/drawing/2014/main" id="{082E553F-53D6-6940-90E2-C5E4C0F685B1}"/>
+                <a16:creationId xmlns:a16="http://schemas.microsoft.com/office/drawing/2014/main" id="{70CC8629-063E-944C-BBE9-2DE4ED94E478}"/>
               </a:ext>
             </a:extLst>
           </p:cNvPr>
@@ -6804,27 +7343,20 @@
             <p:ph idx="1"/>
           </p:nvPr>
         </p:nvPicPr>
-        <p:blipFill rotWithShape="1">
+        <p:blipFill>
           <a:blip r:embed="rId2"/>
-          <a:srcRect l="1019"/>
-          <a:stretch/>
+          <a:stretch>
+            <a:fillRect/>
+          </a:stretch>
         </p:blipFill>
-        <p:spPr bwMode="auto">
-          <a:xfrm>
-            <a:off x="839679" y="1331696"/>
-            <a:ext cx="8777045" cy="4989512"/>
+        <p:spPr>
+          <a:xfrm>
+            <a:off x="1060396" y="1404335"/>
+            <a:ext cx="8874524" cy="4989512"/>
           </a:xfrm>
           <a:prstGeom prst="rect">
             <a:avLst/>
           </a:prstGeom>
-          <a:ln>
-            <a:noFill/>
-          </a:ln>
-          <a:extLst>
-            <a:ext uri="{53640926-AAD7-44D8-BBD7-CCE9431645EC}">
-              <a14:shadowObscured xmlns:a14="http://schemas.microsoft.com/office/drawing/2010/main"/>
-            </a:ext>
-          </a:extLst>
         </p:spPr>
       </p:pic>
     </p:spTree>
@@ -6888,10 +7420,10 @@
       </p:sp>
       <p:pic>
         <p:nvPicPr>
-          <p:cNvPr id="6" name="Content Placeholder 5">
+          <p:cNvPr id="7" name="Content Placeholder 6">
             <a:extLst>
               <a:ext uri="{FF2B5EF4-FFF2-40B4-BE49-F238E27FC236}">
-                <a16:creationId xmlns:a16="http://schemas.microsoft.com/office/drawing/2014/main" id="{8CB57C89-958A-0340-AFC7-92805596F7F2}"/>
+                <a16:creationId xmlns:a16="http://schemas.microsoft.com/office/drawing/2014/main" id="{1C4C3CF1-50CF-E74F-9DEC-A7C1669186E3}"/>
               </a:ext>
             </a:extLst>
           </p:cNvPr>
@@ -6910,8 +7442,8 @@
         </p:blipFill>
         <p:spPr>
           <a:xfrm>
-            <a:off x="848880" y="1300163"/>
-            <a:ext cx="8854626" cy="4989512"/>
+            <a:off x="1060396" y="1358037"/>
+            <a:ext cx="8928261" cy="4989512"/>
           </a:xfrm>
           <a:prstGeom prst="rect">
             <a:avLst/>
